--- a/DsDotNet/src/UnitTest/UnitTest.Model/ImportOfficeExample/Sample/Sub/Sub/Station.pptx
+++ b/DsDotNet/src/UnitTest/UnitTest.Model/ImportOfficeExample/Sample/Sub/Sub/Station.pptx
@@ -7534,7 +7534,7 @@
           </a:xfrm>
           <a:prstGeom prst="foldedCorner">
             <a:avLst>
-              <a:gd name="adj" fmla="val 21822"/>
+              <a:gd name="adj" fmla="val 25285"/>
             </a:avLst>
           </a:prstGeom>
           <a:solidFill>
@@ -7607,7 +7607,7 @@
           </a:xfrm>
           <a:prstGeom prst="foldedCorner">
             <a:avLst>
-              <a:gd name="adj" fmla="val 23438"/>
+              <a:gd name="adj" fmla="val 19538"/>
             </a:avLst>
           </a:prstGeom>
           <a:solidFill>

--- a/DsDotNet/src/UnitTest/UnitTest.Model/ImportOfficeExample/Sample/Sub/Sub/Station.pptx
+++ b/DsDotNet/src/UnitTest/UnitTest.Model/ImportOfficeExample/Sample/Sub/Sub/Station.pptx
@@ -216,7 +216,7 @@
           <a:p>
             <a:fld id="{DD503887-5801-43A0-AEF9-041E8DDC2558}" type="datetimeFigureOut">
               <a:rPr lang="ko-KR" altLang="en-US" smtClean="0"/>
-              <a:t>2023-09-04</a:t>
+              <a:t>2023-09-05</a:t>
             </a:fld>
             <a:endParaRPr lang="ko-KR" altLang="en-US" dirty="0"/>
           </a:p>
@@ -393,7 +393,7 @@
           <a:p>
             <a:fld id="{95336A0E-57B1-4D4C-BD9B-2F72B5943464}" type="datetimeFigureOut">
               <a:rPr lang="ko-KR" altLang="en-US" smtClean="0"/>
-              <a:t>2023-09-04</a:t>
+              <a:t>2023-09-05</a:t>
             </a:fld>
             <a:endParaRPr lang="ko-KR" altLang="en-US" dirty="0"/>
           </a:p>
@@ -7534,7 +7534,7 @@
           </a:xfrm>
           <a:prstGeom prst="foldedCorner">
             <a:avLst>
-              <a:gd name="adj" fmla="val 25285"/>
+              <a:gd name="adj" fmla="val 0"/>
             </a:avLst>
           </a:prstGeom>
           <a:solidFill>
@@ -7607,7 +7607,7 @@
           </a:xfrm>
           <a:prstGeom prst="foldedCorner">
             <a:avLst>
-              <a:gd name="adj" fmla="val 19538"/>
+              <a:gd name="adj" fmla="val 0"/>
             </a:avLst>
           </a:prstGeom>
           <a:solidFill>

--- a/DsDotNet/src/UnitTest/UnitTest.Model/ImportOfficeExample/Sample/Sub/Sub/Station.pptx
+++ b/DsDotNet/src/UnitTest/UnitTest.Model/ImportOfficeExample/Sample/Sub/Sub/Station.pptx
@@ -216,7 +216,7 @@
           <a:p>
             <a:fld id="{DD503887-5801-43A0-AEF9-041E8DDC2558}" type="datetimeFigureOut">
               <a:rPr lang="ko-KR" altLang="en-US" smtClean="0"/>
-              <a:t>2023-11-02</a:t>
+              <a:t>2023-11-05</a:t>
             </a:fld>
             <a:endParaRPr lang="ko-KR" altLang="en-US" dirty="0"/>
           </a:p>
@@ -393,7 +393,7 @@
           <a:p>
             <a:fld id="{95336A0E-57B1-4D4C-BD9B-2F72B5943464}" type="datetimeFigureOut">
               <a:rPr lang="ko-KR" altLang="en-US" smtClean="0"/>
-              <a:t>2023-11-02</a:t>
+              <a:t>2023-11-05</a:t>
             </a:fld>
             <a:endParaRPr lang="ko-KR" altLang="en-US" dirty="0"/>
           </a:p>
@@ -2519,17 +2519,16 @@
             <a:p>
               <a:pPr algn="ctr"/>
               <a:r>
-                <a:rPr lang="en-US" altLang="ko-KR" sz="1200"/>
-                <a:t>LH$</a:t>
+                <a:rPr lang="en-US" altLang="ko-KR" sz="1200" dirty="0"/>
+                <a:t>LH.</a:t>
               </a:r>
             </a:p>
             <a:p>
               <a:pPr algn="ctr"/>
               <a:r>
-                <a:rPr lang="en-US" altLang="ko-KR" sz="1200"/>
+                <a:rPr lang="en-US" altLang="ko-KR" sz="1200" dirty="0"/>
                 <a:t>Func1</a:t>
               </a:r>
-              <a:endParaRPr lang="en-US" altLang="ko-KR" sz="1200" dirty="0"/>
             </a:p>
           </p:txBody>
         </p:sp>
@@ -2577,7 +2576,7 @@
               <a:pPr algn="ctr"/>
               <a:r>
                 <a:rPr lang="en-US" altLang="ko-KR" sz="1200" dirty="0"/>
-                <a:t>LH$</a:t>
+                <a:t>LH.</a:t>
               </a:r>
             </a:p>
             <a:p>
@@ -3472,7 +3471,7 @@
               <a:pPr algn="ctr"/>
               <a:r>
                 <a:rPr lang="en-US" altLang="ko-KR" sz="1200" dirty="0"/>
-                <a:t>RH$</a:t>
+                <a:t>RH.</a:t>
               </a:r>
             </a:p>
             <a:p>
@@ -3528,7 +3527,7 @@
               <a:pPr algn="ctr"/>
               <a:r>
                 <a:rPr lang="en-US" altLang="ko-KR" sz="1200" dirty="0"/>
-                <a:t>RH$</a:t>
+                <a:t>RH.</a:t>
               </a:r>
             </a:p>
             <a:p>

--- a/DsDotNet/src/UnitTest/UnitTest.Model/ImportOfficeExample/Sample/Sub/Sub/Station.pptx
+++ b/DsDotNet/src/UnitTest/UnitTest.Model/ImportOfficeExample/Sample/Sub/Sub/Station.pptx
@@ -216,7 +216,7 @@
           <a:p>
             <a:fld id="{DD503887-5801-43A0-AEF9-041E8DDC2558}" type="datetimeFigureOut">
               <a:rPr lang="ko-KR" altLang="en-US" smtClean="0"/>
-              <a:t>2023-11-05</a:t>
+              <a:t>2024-05-29</a:t>
             </a:fld>
             <a:endParaRPr lang="ko-KR" altLang="en-US" dirty="0"/>
           </a:p>
@@ -393,7 +393,7 @@
           <a:p>
             <a:fld id="{95336A0E-57B1-4D4C-BD9B-2F72B5943464}" type="datetimeFigureOut">
               <a:rPr lang="ko-KR" altLang="en-US" smtClean="0"/>
-              <a:t>2023-11-05</a:t>
+              <a:t>2024-05-29</a:t>
             </a:fld>
             <a:endParaRPr lang="ko-KR" altLang="en-US" dirty="0"/>
           </a:p>
@@ -2367,10 +2367,10 @@
       </p:grpSpPr>
       <p:grpSp>
         <p:nvGrpSpPr>
-          <p:cNvPr id="28" name="그룹 27">
+          <p:cNvPr id="20" name="그룹 19">
             <a:extLst>
               <a:ext uri="{FF2B5EF4-FFF2-40B4-BE49-F238E27FC236}">
-                <a16:creationId xmlns:a16="http://schemas.microsoft.com/office/drawing/2014/main" id="{FD63A018-30DF-7A6F-DF1E-6F53E7ED402B}"/>
+                <a16:creationId xmlns:a16="http://schemas.microsoft.com/office/drawing/2014/main" id="{40FCB1F1-0A42-3CDA-694E-08F767576BCD}"/>
               </a:ext>
             </a:extLst>
           </p:cNvPr>
@@ -2381,7 +2381,7 @@
           <a:xfrm>
             <a:off x="4828655" y="738076"/>
             <a:ext cx="2843372" cy="1026756"/>
-            <a:chOff x="4856921" y="1000442"/>
+            <a:chOff x="4828655" y="738076"/>
             <a:chExt cx="2843372" cy="1026756"/>
           </a:xfrm>
         </p:grpSpPr>
@@ -2399,7 +2399,7 @@
           </p:nvSpPr>
           <p:spPr>
             <a:xfrm>
-              <a:off x="4856921" y="1000442"/>
+              <a:off x="4828655" y="738076"/>
               <a:ext cx="2843372" cy="1026756"/>
             </a:xfrm>
             <a:prstGeom prst="rect">
@@ -2451,7 +2451,7 @@
           </p:nvCxnSpPr>
           <p:spPr>
             <a:xfrm>
-              <a:off x="6158511" y="1518449"/>
+              <a:off x="6130245" y="1256083"/>
               <a:ext cx="240192" cy="3485"/>
             </a:xfrm>
             <a:prstGeom prst="straightConnector1">
@@ -2490,7 +2490,7 @@
           </p:nvSpPr>
           <p:spPr>
             <a:xfrm>
-              <a:off x="5131530" y="1222154"/>
+              <a:off x="5103264" y="959788"/>
               <a:ext cx="1026981" cy="592589"/>
             </a:xfrm>
             <a:prstGeom prst="ellipse">
@@ -2546,7 +2546,7 @@
           </p:nvSpPr>
           <p:spPr>
             <a:xfrm>
-              <a:off x="6398703" y="1225639"/>
+              <a:off x="6370437" y="963273"/>
               <a:ext cx="1026981" cy="592589"/>
             </a:xfrm>
             <a:prstGeom prst="ellipse">
@@ -2916,7 +2916,7 @@
             <a:pPr algn="ctr"/>
             <a:r>
               <a:rPr lang="en-US" altLang="ko-KR" sz="1200" dirty="0"/>
-              <a:t>~]</a:t>
+              <a:t>~ RESET]</a:t>
             </a:r>
             <a:endParaRPr lang="ko-KR" altLang="en-US" sz="1200" dirty="0"/>
           </a:p>
@@ -3224,50 +3224,6 @@
           </a:fontRef>
         </p:style>
       </p:cxnSp>
-      <p:cxnSp>
-        <p:nvCxnSpPr>
-          <p:cNvPr id="97" name="연결선: 꺾임 96">
-            <a:extLst>
-              <a:ext uri="{FF2B5EF4-FFF2-40B4-BE49-F238E27FC236}">
-                <a16:creationId xmlns:a16="http://schemas.microsoft.com/office/drawing/2014/main" id="{5C3D4127-1F92-C5B6-A44A-6DEF486635D7}"/>
-              </a:ext>
-            </a:extLst>
-          </p:cNvPr>
-          <p:cNvCxnSpPr>
-            <a:cxnSpLocks/>
-            <a:stCxn id="17" idx="3"/>
-            <a:endCxn id="58" idx="2"/>
-          </p:cNvCxnSpPr>
-          <p:nvPr/>
-        </p:nvCxnSpPr>
-        <p:spPr>
-          <a:xfrm flipV="1">
-            <a:off x="6919201" y="2605488"/>
-            <a:ext cx="2048965" cy="2272099"/>
-          </a:xfrm>
-          <a:prstGeom prst="bentConnector2">
-            <a:avLst/>
-          </a:prstGeom>
-          <a:ln w="38100">
-            <a:prstDash val="dash"/>
-            <a:tailEnd type="triangle"/>
-          </a:ln>
-        </p:spPr>
-        <p:style>
-          <a:lnRef idx="1">
-            <a:schemeClr val="accent1"/>
-          </a:lnRef>
-          <a:fillRef idx="0">
-            <a:schemeClr val="accent1"/>
-          </a:fillRef>
-          <a:effectRef idx="0">
-            <a:schemeClr val="accent1"/>
-          </a:effectRef>
-          <a:fontRef idx="minor">
-            <a:schemeClr val="tx1"/>
-          </a:fontRef>
-        </p:style>
-      </p:cxnSp>
       <p:sp>
         <p:nvSpPr>
           <p:cNvPr id="17" name="직사각형 16">
@@ -3318,10 +3274,10 @@
       </p:sp>
       <p:grpSp>
         <p:nvGrpSpPr>
-          <p:cNvPr id="63" name="그룹 62">
+          <p:cNvPr id="19" name="그룹 18">
             <a:extLst>
               <a:ext uri="{FF2B5EF4-FFF2-40B4-BE49-F238E27FC236}">
-                <a16:creationId xmlns:a16="http://schemas.microsoft.com/office/drawing/2014/main" id="{3474B3D8-2B15-C27D-D870-378F6798EFEC}"/>
+                <a16:creationId xmlns:a16="http://schemas.microsoft.com/office/drawing/2014/main" id="{73930422-2AA8-F30E-75D7-B8DD33C9B707}"/>
               </a:ext>
             </a:extLst>
           </p:cNvPr>
@@ -3332,7 +3288,7 @@
           <a:xfrm>
             <a:off x="4756436" y="2671522"/>
             <a:ext cx="2843372" cy="1026756"/>
-            <a:chOff x="4856921" y="1000442"/>
+            <a:chOff x="4756436" y="2671522"/>
             <a:chExt cx="2843372" cy="1026756"/>
           </a:xfrm>
         </p:grpSpPr>
@@ -3350,7 +3306,7 @@
           </p:nvSpPr>
           <p:spPr>
             <a:xfrm>
-              <a:off x="4856921" y="1000442"/>
+              <a:off x="4756436" y="2671522"/>
               <a:ext cx="2843372" cy="1026756"/>
             </a:xfrm>
             <a:prstGeom prst="rect">
@@ -3402,7 +3358,7 @@
           </p:nvCxnSpPr>
           <p:spPr>
             <a:xfrm>
-              <a:off x="6158511" y="1518449"/>
+              <a:off x="6058026" y="3189529"/>
               <a:ext cx="240192" cy="3485"/>
             </a:xfrm>
             <a:prstGeom prst="straightConnector1">
@@ -3441,7 +3397,7 @@
           </p:nvSpPr>
           <p:spPr>
             <a:xfrm>
-              <a:off x="5131530" y="1222154"/>
+              <a:off x="5031045" y="2893234"/>
               <a:ext cx="1026981" cy="592589"/>
             </a:xfrm>
             <a:prstGeom prst="ellipse">
@@ -3497,7 +3453,7 @@
           </p:nvSpPr>
           <p:spPr>
             <a:xfrm>
-              <a:off x="6398703" y="1225639"/>
+              <a:off x="6298218" y="2896719"/>
               <a:ext cx="1026981" cy="592589"/>
             </a:xfrm>
             <a:prstGeom prst="ellipse">
@@ -3567,6 +3523,51 @@
           <a:ln w="38100">
             <a:prstDash val="dash"/>
             <a:tailEnd type="triangle"/>
+          </a:ln>
+        </p:spPr>
+        <p:style>
+          <a:lnRef idx="1">
+            <a:schemeClr val="accent1"/>
+          </a:lnRef>
+          <a:fillRef idx="0">
+            <a:schemeClr val="accent1"/>
+          </a:fillRef>
+          <a:effectRef idx="0">
+            <a:schemeClr val="accent1"/>
+          </a:effectRef>
+          <a:fontRef idx="minor">
+            <a:schemeClr val="tx1"/>
+          </a:fontRef>
+        </p:style>
+      </p:cxnSp>
+      <p:cxnSp>
+        <p:nvCxnSpPr>
+          <p:cNvPr id="12" name="연결선: 꺾임 11">
+            <a:extLst>
+              <a:ext uri="{FF2B5EF4-FFF2-40B4-BE49-F238E27FC236}">
+                <a16:creationId xmlns:a16="http://schemas.microsoft.com/office/drawing/2014/main" id="{97976C07-81F7-4ECA-7B00-0E3059E45C2E}"/>
+              </a:ext>
+            </a:extLst>
+          </p:cNvPr>
+          <p:cNvCxnSpPr>
+            <a:cxnSpLocks/>
+            <a:stCxn id="17" idx="3"/>
+            <a:endCxn id="58" idx="2"/>
+          </p:cNvCxnSpPr>
+          <p:nvPr/>
+        </p:nvCxnSpPr>
+        <p:spPr>
+          <a:xfrm flipV="1">
+            <a:off x="6919201" y="2605488"/>
+            <a:ext cx="2048965" cy="2272099"/>
+          </a:xfrm>
+          <a:prstGeom prst="bentConnector2">
+            <a:avLst/>
+          </a:prstGeom>
+          <a:ln w="25400">
+            <a:prstDash val="dash"/>
+            <a:headEnd type="triangle" w="lg" len="lg"/>
+            <a:tailEnd type="triangle" w="lg" len="lg"/>
           </a:ln>
         </p:spPr>
         <p:style>
